--- a/CDP/CDP.pptx
+++ b/CDP/CDP.pptx
@@ -3649,7 +3649,9 @@
           </a:xfrm>
         </p:spPr>
         <p:txBody>
-          <a:bodyPr/>
+          <a:bodyPr>
+            <a:normAutofit fontScale="92500" lnSpcReduction="20000"/>
+          </a:bodyPr>
           <a:lstStyle/>
           <a:p>
             <a:endParaRPr lang="en-US" altLang="zh-CN" dirty="0" smtClean="0"/>
@@ -3661,7 +3663,18 @@
             </a:r>
             <a:r>
               <a:rPr lang="en-US" altLang="zh-CN" dirty="0" smtClean="0"/>
-              <a:t> XUE 25/03/2021</a:t>
+              <a:t> </a:t>
+            </a:r>
+            <a:r>
+              <a:rPr lang="en-US" altLang="zh-CN" smtClean="0"/>
+              <a:t>XUE </a:t>
+            </a:r>
+            <a:endParaRPr lang="en-US" altLang="zh-CN" smtClean="0"/>
+          </a:p>
+          <a:p>
+            <a:r>
+              <a:rPr lang="en-US" altLang="zh-CN" smtClean="0"/>
+              <a:t>25/03/2021</a:t>
             </a:r>
             <a:endParaRPr lang="en-US" altLang="zh-CN" dirty="0" smtClean="0"/>
           </a:p>
@@ -3681,15 +3694,7 @@
             <a:pPr algn="r"/>
             <a:r>
               <a:rPr lang="en-US" altLang="zh-CN" i="1" dirty="0" smtClean="0"/>
-              <a:t>Zeng </a:t>
-            </a:r>
-            <a:r>
-              <a:rPr lang="en-US" altLang="zh-CN" i="1" dirty="0" smtClean="0"/>
-              <a:t>et al. </a:t>
-            </a:r>
-            <a:r>
-              <a:rPr lang="en-US" altLang="zh-CN" i="1" dirty="0" smtClean="0"/>
-              <a:t>2019</a:t>
+              <a:t>Zeng et al. 2019</a:t>
             </a:r>
             <a:endParaRPr lang="zh-CN" altLang="en-US" i="1" dirty="0"/>
           </a:p>
@@ -9699,11 +9704,6 @@
               </a:rPr>
               <a:t>Objectives</a:t>
             </a:r>
-            <a:endParaRPr lang="fr-FR" sz="3300" dirty="0">
-              <a:solidFill>
-                <a:srgbClr val="00B0F0"/>
-              </a:solidFill>
-            </a:endParaRPr>
           </a:p>
         </p:txBody>
       </p:sp>
